--- a/mhw3.pptx
+++ b/mhw3.pptx
@@ -9613,7 +9613,7 @@
         </p:blipFill>
         <p:spPr>
           <a:xfrm>
-            <a:off x="2171700" y="1988344"/>
+            <a:off x="2018908" y="1446538"/>
             <a:ext cx="9552826" cy="4900074"/>
           </a:xfrm>
         </p:spPr>
